--- a/lecture-slides/2019-09-20-oop.pptx
+++ b/lecture-slides/2019-09-20-oop.pptx
@@ -5,16 +5,18 @@
     <p:sldMasterId id="2147483648" r:id="rId1"/>
   </p:sldMasterIdLst>
   <p:notesMasterIdLst>
-    <p:notesMasterId r:id="rId9"/>
+    <p:notesMasterId r:id="rId11"/>
   </p:notesMasterIdLst>
   <p:sldIdLst>
     <p:sldId id="305" r:id="rId2"/>
     <p:sldId id="610" r:id="rId3"/>
     <p:sldId id="491" r:id="rId4"/>
     <p:sldId id="587" r:id="rId5"/>
-    <p:sldId id="588" r:id="rId6"/>
-    <p:sldId id="565" r:id="rId7"/>
-    <p:sldId id="271" r:id="rId8"/>
+    <p:sldId id="611" r:id="rId6"/>
+    <p:sldId id="588" r:id="rId7"/>
+    <p:sldId id="565" r:id="rId8"/>
+    <p:sldId id="483" r:id="rId9"/>
+    <p:sldId id="271" r:id="rId10"/>
   </p:sldIdLst>
   <p:sldSz cx="12192000" cy="6858000"/>
   <p:notesSz cx="6858000" cy="9144000"/>
@@ -203,7 +205,7 @@
           <a:p>
             <a:fld id="{A677DEB0-5AA4-49C7-B0AD-AD047A002C4C}" type="datetimeFigureOut">
               <a:rPr lang="en-US" smtClean="0"/>
-              <a:t>9/19/19</a:t>
+              <a:t>9/20/2019</a:t>
             </a:fld>
             <a:endParaRPr lang="en-US"/>
           </a:p>
@@ -682,7 +684,7 @@
           <a:bodyPr/>
           <a:lstStyle/>
           <a:p>
-            <a:endParaRPr lang="en-US" sz="1000" dirty="0"/>
+            <a:endParaRPr lang="en-US" dirty="0"/>
           </a:p>
         </p:txBody>
       </p:sp>
@@ -703,7 +705,7 @@
           <a:p>
             <a:fld id="{5394DE12-7B9B-46AA-AC19-C30A49928B9B}" type="slidenum">
               <a:rPr lang="en-US" smtClean="0"/>
-              <a:t>6</a:t>
+              <a:t>5</a:t>
             </a:fld>
             <a:endParaRPr lang="en-US" dirty="0"/>
           </a:p>
@@ -712,7 +714,7 @@
     </p:spTree>
     <p:extLst>
       <p:ext uri="{BB962C8B-B14F-4D97-AF65-F5344CB8AC3E}">
-        <p14:creationId xmlns:p14="http://schemas.microsoft.com/office/powerpoint/2010/main" val="3923728908"/>
+        <p14:creationId xmlns:p14="http://schemas.microsoft.com/office/powerpoint/2010/main" val="1289648486"/>
       </p:ext>
     </p:extLst>
   </p:cSld>
@@ -766,7 +768,7 @@
           <a:bodyPr/>
           <a:lstStyle/>
           <a:p>
-            <a:endParaRPr lang="en-US" dirty="0"/>
+            <a:endParaRPr lang="en-US" sz="1000" dirty="0"/>
           </a:p>
         </p:txBody>
       </p:sp>
@@ -788,6 +790,120 @@
             <a:fld id="{5394DE12-7B9B-46AA-AC19-C30A49928B9B}" type="slidenum">
               <a:rPr lang="en-US" smtClean="0"/>
               <a:t>7</a:t>
+            </a:fld>
+            <a:endParaRPr lang="en-US" dirty="0"/>
+          </a:p>
+        </p:txBody>
+      </p:sp>
+    </p:spTree>
+    <p:extLst>
+      <p:ext uri="{BB962C8B-B14F-4D97-AF65-F5344CB8AC3E}">
+        <p14:creationId xmlns:p14="http://schemas.microsoft.com/office/powerpoint/2010/main" val="3923728908"/>
+      </p:ext>
+    </p:extLst>
+  </p:cSld>
+  <p:clrMapOvr>
+    <a:masterClrMapping/>
+  </p:clrMapOvr>
+</p:notes>
+</file>
+
+<file path=ppt/notesSlides/notesSlide5.xml><?xml version="1.0" encoding="utf-8"?>
+<p:notes xmlns:a="http://schemas.openxmlformats.org/drawingml/2006/main" xmlns:r="http://schemas.openxmlformats.org/officeDocument/2006/relationships" xmlns:p="http://schemas.openxmlformats.org/presentationml/2006/main">
+  <p:cSld>
+    <p:spTree>
+      <p:nvGrpSpPr>
+        <p:cNvPr id="1" name=""/>
+        <p:cNvGrpSpPr/>
+        <p:nvPr/>
+      </p:nvGrpSpPr>
+      <p:grpSpPr>
+        <a:xfrm>
+          <a:off x="0" y="0"/>
+          <a:ext cx="0" cy="0"/>
+          <a:chOff x="0" y="0"/>
+          <a:chExt cx="0" cy="0"/>
+        </a:xfrm>
+      </p:grpSpPr>
+    </p:spTree>
+    <p:extLst>
+      <p:ext uri="{BB962C8B-B14F-4D97-AF65-F5344CB8AC3E}">
+        <p14:creationId xmlns:p14="http://schemas.microsoft.com/office/powerpoint/2010/main" val="3819875495"/>
+      </p:ext>
+    </p:extLst>
+  </p:cSld>
+  <p:clrMapOvr>
+    <a:masterClrMapping/>
+  </p:clrMapOvr>
+</p:notes>
+</file>
+
+<file path=ppt/notesSlides/notesSlide6.xml><?xml version="1.0" encoding="utf-8"?>
+<p:notes xmlns:a="http://schemas.openxmlformats.org/drawingml/2006/main" xmlns:r="http://schemas.openxmlformats.org/officeDocument/2006/relationships" xmlns:p="http://schemas.openxmlformats.org/presentationml/2006/main">
+  <p:cSld>
+    <p:spTree>
+      <p:nvGrpSpPr>
+        <p:cNvPr id="1" name=""/>
+        <p:cNvGrpSpPr/>
+        <p:nvPr/>
+      </p:nvGrpSpPr>
+      <p:grpSpPr>
+        <a:xfrm>
+          <a:off x="0" y="0"/>
+          <a:ext cx="0" cy="0"/>
+          <a:chOff x="0" y="0"/>
+          <a:chExt cx="0" cy="0"/>
+        </a:xfrm>
+      </p:grpSpPr>
+      <p:sp>
+        <p:nvSpPr>
+          <p:cNvPr id="2" name="Slide Image Placeholder 1"/>
+          <p:cNvSpPr>
+            <a:spLocks noGrp="1" noRot="1" noChangeAspect="1"/>
+          </p:cNvSpPr>
+          <p:nvPr>
+            <p:ph type="sldImg"/>
+          </p:nvPr>
+        </p:nvSpPr>
+        <p:spPr/>
+      </p:sp>
+      <p:sp>
+        <p:nvSpPr>
+          <p:cNvPr id="3" name="Notes Placeholder 2"/>
+          <p:cNvSpPr>
+            <a:spLocks noGrp="1"/>
+          </p:cNvSpPr>
+          <p:nvPr>
+            <p:ph type="body" idx="1"/>
+          </p:nvPr>
+        </p:nvSpPr>
+        <p:spPr/>
+        <p:txBody>
+          <a:bodyPr/>
+          <a:lstStyle/>
+          <a:p>
+            <a:endParaRPr lang="en-US" dirty="0"/>
+          </a:p>
+        </p:txBody>
+      </p:sp>
+      <p:sp>
+        <p:nvSpPr>
+          <p:cNvPr id="4" name="Slide Number Placeholder 3"/>
+          <p:cNvSpPr>
+            <a:spLocks noGrp="1"/>
+          </p:cNvSpPr>
+          <p:nvPr>
+            <p:ph type="sldNum" sz="quarter" idx="10"/>
+          </p:nvPr>
+        </p:nvSpPr>
+        <p:spPr/>
+        <p:txBody>
+          <a:bodyPr/>
+          <a:lstStyle/>
+          <a:p>
+            <a:fld id="{5394DE12-7B9B-46AA-AC19-C30A49928B9B}" type="slidenum">
+              <a:rPr lang="en-US" smtClean="0"/>
+              <a:t>9</a:t>
             </a:fld>
             <a:endParaRPr lang="en-US" dirty="0"/>
           </a:p>
@@ -953,7 +1069,7 @@
           <a:p>
             <a:fld id="{1B52E0E1-344B-4E26-B5AD-CE86AB802485}" type="datetimeFigureOut">
               <a:rPr lang="en-US" smtClean="0"/>
-              <a:t>9/19/19</a:t>
+              <a:t>9/20/2019</a:t>
             </a:fld>
             <a:endParaRPr lang="en-US"/>
           </a:p>
@@ -1151,7 +1267,7 @@
           <a:p>
             <a:fld id="{1B52E0E1-344B-4E26-B5AD-CE86AB802485}" type="datetimeFigureOut">
               <a:rPr lang="en-US" smtClean="0"/>
-              <a:t>9/19/19</a:t>
+              <a:t>9/20/2019</a:t>
             </a:fld>
             <a:endParaRPr lang="en-US"/>
           </a:p>
@@ -1359,7 +1475,7 @@
           <a:p>
             <a:fld id="{1B52E0E1-344B-4E26-B5AD-CE86AB802485}" type="datetimeFigureOut">
               <a:rPr lang="en-US" smtClean="0"/>
-              <a:t>9/19/19</a:t>
+              <a:t>9/20/2019</a:t>
             </a:fld>
             <a:endParaRPr lang="en-US"/>
           </a:p>
@@ -1557,7 +1673,7 @@
           <a:p>
             <a:fld id="{1B52E0E1-344B-4E26-B5AD-CE86AB802485}" type="datetimeFigureOut">
               <a:rPr lang="en-US" smtClean="0"/>
-              <a:t>9/19/19</a:t>
+              <a:t>9/20/2019</a:t>
             </a:fld>
             <a:endParaRPr lang="en-US"/>
           </a:p>
@@ -1832,7 +1948,7 @@
           <a:p>
             <a:fld id="{1B52E0E1-344B-4E26-B5AD-CE86AB802485}" type="datetimeFigureOut">
               <a:rPr lang="en-US" smtClean="0"/>
-              <a:t>9/19/19</a:t>
+              <a:t>9/20/2019</a:t>
             </a:fld>
             <a:endParaRPr lang="en-US"/>
           </a:p>
@@ -2097,7 +2213,7 @@
           <a:p>
             <a:fld id="{1B52E0E1-344B-4E26-B5AD-CE86AB802485}" type="datetimeFigureOut">
               <a:rPr lang="en-US" smtClean="0"/>
-              <a:t>9/19/19</a:t>
+              <a:t>9/20/2019</a:t>
             </a:fld>
             <a:endParaRPr lang="en-US"/>
           </a:p>
@@ -2509,7 +2625,7 @@
           <a:p>
             <a:fld id="{1B52E0E1-344B-4E26-B5AD-CE86AB802485}" type="datetimeFigureOut">
               <a:rPr lang="en-US" smtClean="0"/>
-              <a:t>9/19/19</a:t>
+              <a:t>9/20/2019</a:t>
             </a:fld>
             <a:endParaRPr lang="en-US"/>
           </a:p>
@@ -2650,7 +2766,7 @@
           <a:p>
             <a:fld id="{1B52E0E1-344B-4E26-B5AD-CE86AB802485}" type="datetimeFigureOut">
               <a:rPr lang="en-US" smtClean="0"/>
-              <a:t>9/19/19</a:t>
+              <a:t>9/20/2019</a:t>
             </a:fld>
             <a:endParaRPr lang="en-US"/>
           </a:p>
@@ -2763,7 +2879,7 @@
           <a:p>
             <a:fld id="{1B52E0E1-344B-4E26-B5AD-CE86AB802485}" type="datetimeFigureOut">
               <a:rPr lang="en-US" smtClean="0"/>
-              <a:t>9/19/19</a:t>
+              <a:t>9/20/2019</a:t>
             </a:fld>
             <a:endParaRPr lang="en-US"/>
           </a:p>
@@ -3074,7 +3190,7 @@
           <a:p>
             <a:fld id="{1B52E0E1-344B-4E26-B5AD-CE86AB802485}" type="datetimeFigureOut">
               <a:rPr lang="en-US" smtClean="0"/>
-              <a:t>9/19/19</a:t>
+              <a:t>9/20/2019</a:t>
             </a:fld>
             <a:endParaRPr lang="en-US"/>
           </a:p>
@@ -3362,7 +3478,7 @@
           <a:p>
             <a:fld id="{1B52E0E1-344B-4E26-B5AD-CE86AB802485}" type="datetimeFigureOut">
               <a:rPr lang="en-US" smtClean="0"/>
-              <a:t>9/19/19</a:t>
+              <a:t>9/20/2019</a:t>
             </a:fld>
             <a:endParaRPr lang="en-US"/>
           </a:p>
@@ -3603,7 +3719,7 @@
           <a:p>
             <a:fld id="{1B52E0E1-344B-4E26-B5AD-CE86AB802485}" type="datetimeFigureOut">
               <a:rPr lang="en-US" smtClean="0"/>
-              <a:t>9/19/19</a:t>
+              <a:t>9/20/2019</a:t>
             </a:fld>
             <a:endParaRPr lang="en-US"/>
           </a:p>
@@ -4150,6 +4266,16 @@
             </a:pPr>
             <a:r>
               <a:rPr lang="en-US" sz="2000" dirty="0"/>
+              <a:t>Q&amp;A: OOP Principles</a:t>
+            </a:r>
+          </a:p>
+          <a:p>
+            <a:pPr marL="457200" indent="-457200">
+              <a:buFont typeface="+mj-lt"/>
+              <a:buAutoNum type="arabicPeriod"/>
+            </a:pPr>
+            <a:r>
+              <a:rPr lang="en-US" sz="2000" dirty="0"/>
               <a:t>Assignment – All sprint 2 activities and assignments need to be complete Sunday</a:t>
             </a:r>
           </a:p>
@@ -4483,83 +4609,37 @@
       </p:grpSpPr>
       <p:sp>
         <p:nvSpPr>
-          <p:cNvPr id="2" name="Title 1">
-            <a:extLst>
-              <a:ext uri="{FF2B5EF4-FFF2-40B4-BE49-F238E27FC236}">
-                <a16:creationId xmlns:a16="http://schemas.microsoft.com/office/drawing/2014/main" id="{2A5755BE-860E-40EB-ADA6-6E82BCB49EC3}"/>
-              </a:ext>
-            </a:extLst>
-          </p:cNvPr>
-          <p:cNvSpPr>
-            <a:spLocks noGrp="1"/>
-          </p:cNvSpPr>
-          <p:nvPr>
-            <p:ph type="title"/>
-          </p:nvPr>
-        </p:nvSpPr>
-        <p:spPr/>
-        <p:txBody>
-          <a:bodyPr/>
-          <a:lstStyle/>
-          <a:p>
-            <a:r>
-              <a:rPr lang="en-US" dirty="0"/>
-              <a:t>Assignment</a:t>
-            </a:r>
-          </a:p>
-        </p:txBody>
-      </p:sp>
-      <p:sp>
-        <p:nvSpPr>
-          <p:cNvPr id="3" name="Content Placeholder 2">
-            <a:extLst>
-              <a:ext uri="{FF2B5EF4-FFF2-40B4-BE49-F238E27FC236}">
-                <a16:creationId xmlns:a16="http://schemas.microsoft.com/office/drawing/2014/main" id="{72EF5DE0-5958-4171-A9E3-3D288A31AC3F}"/>
-              </a:ext>
-            </a:extLst>
-          </p:cNvPr>
-          <p:cNvSpPr>
-            <a:spLocks noGrp="1"/>
-          </p:cNvSpPr>
-          <p:nvPr>
-            <p:ph idx="1"/>
+          <p:cNvPr id="2" name="Title 1"/>
+          <p:cNvSpPr>
+            <a:spLocks noGrp="1"/>
+          </p:cNvSpPr>
+          <p:nvPr>
+            <p:ph type="ctrTitle"/>
           </p:nvPr>
         </p:nvSpPr>
         <p:spPr>
           <a:xfrm>
-            <a:off x="838200" y="1654444"/>
-            <a:ext cx="10515600" cy="4522519"/>
+            <a:off x="1117600" y="3051480"/>
+            <a:ext cx="9956800" cy="755040"/>
           </a:xfrm>
         </p:spPr>
         <p:txBody>
-          <a:bodyPr>
-            <a:normAutofit/>
+          <a:bodyPr anchor="ctr">
+            <a:noAutofit/>
           </a:bodyPr>
           <a:lstStyle/>
           <a:p>
-            <a:pPr marL="0" indent="0">
-              <a:buNone/>
-            </a:pPr>
-            <a:r>
-              <a:rPr lang="en-US" sz="2000" dirty="0"/>
-              <a:t>All sprint 2 activities and assignments need to be complete Sunday</a:t>
-            </a:r>
-          </a:p>
-          <a:p>
-            <a:pPr marL="0" indent="0">
-              <a:buNone/>
-            </a:pPr>
-            <a:endParaRPr lang="en-US" sz="1800" dirty="0"/>
-          </a:p>
-          <a:p>
-            <a:endParaRPr lang="en-US" dirty="0"/>
+            <a:r>
+              <a:rPr lang="en-US" sz="4400" dirty="0"/>
+              <a:t>Q&amp;A: OOP Principles</a:t>
+            </a:r>
           </a:p>
         </p:txBody>
       </p:sp>
     </p:spTree>
     <p:extLst>
       <p:ext uri="{BB962C8B-B14F-4D97-AF65-F5344CB8AC3E}">
-        <p14:creationId xmlns:p14="http://schemas.microsoft.com/office/powerpoint/2010/main" val="1228743602"/>
+        <p14:creationId xmlns:p14="http://schemas.microsoft.com/office/powerpoint/2010/main" val="2640857862"/>
       </p:ext>
     </p:extLst>
   </p:cSld>
@@ -4588,6 +4668,111 @@
       </p:grpSpPr>
       <p:sp>
         <p:nvSpPr>
+          <p:cNvPr id="2" name="Title 1">
+            <a:extLst>
+              <a:ext uri="{FF2B5EF4-FFF2-40B4-BE49-F238E27FC236}">
+                <a16:creationId xmlns:a16="http://schemas.microsoft.com/office/drawing/2014/main" id="{2A5755BE-860E-40EB-ADA6-6E82BCB49EC3}"/>
+              </a:ext>
+            </a:extLst>
+          </p:cNvPr>
+          <p:cNvSpPr>
+            <a:spLocks noGrp="1"/>
+          </p:cNvSpPr>
+          <p:nvPr>
+            <p:ph type="title"/>
+          </p:nvPr>
+        </p:nvSpPr>
+        <p:spPr/>
+        <p:txBody>
+          <a:bodyPr/>
+          <a:lstStyle/>
+          <a:p>
+            <a:r>
+              <a:rPr lang="en-US" dirty="0"/>
+              <a:t>Assignment</a:t>
+            </a:r>
+          </a:p>
+        </p:txBody>
+      </p:sp>
+      <p:sp>
+        <p:nvSpPr>
+          <p:cNvPr id="3" name="Content Placeholder 2">
+            <a:extLst>
+              <a:ext uri="{FF2B5EF4-FFF2-40B4-BE49-F238E27FC236}">
+                <a16:creationId xmlns:a16="http://schemas.microsoft.com/office/drawing/2014/main" id="{72EF5DE0-5958-4171-A9E3-3D288A31AC3F}"/>
+              </a:ext>
+            </a:extLst>
+          </p:cNvPr>
+          <p:cNvSpPr>
+            <a:spLocks noGrp="1"/>
+          </p:cNvSpPr>
+          <p:nvPr>
+            <p:ph idx="1"/>
+          </p:nvPr>
+        </p:nvSpPr>
+        <p:spPr>
+          <a:xfrm>
+            <a:off x="838200" y="1654444"/>
+            <a:ext cx="10515600" cy="4522519"/>
+          </a:xfrm>
+        </p:spPr>
+        <p:txBody>
+          <a:bodyPr>
+            <a:normAutofit/>
+          </a:bodyPr>
+          <a:lstStyle/>
+          <a:p>
+            <a:pPr marL="0" indent="0">
+              <a:buNone/>
+            </a:pPr>
+            <a:r>
+              <a:rPr lang="en-US" sz="2000" dirty="0"/>
+              <a:t>All sprint 2 activities and assignments need to be complete Sunday</a:t>
+            </a:r>
+          </a:p>
+          <a:p>
+            <a:pPr marL="0" indent="0">
+              <a:buNone/>
+            </a:pPr>
+            <a:endParaRPr lang="en-US" sz="1800" dirty="0"/>
+          </a:p>
+          <a:p>
+            <a:endParaRPr lang="en-US" dirty="0"/>
+          </a:p>
+        </p:txBody>
+      </p:sp>
+    </p:spTree>
+    <p:extLst>
+      <p:ext uri="{BB962C8B-B14F-4D97-AF65-F5344CB8AC3E}">
+        <p14:creationId xmlns:p14="http://schemas.microsoft.com/office/powerpoint/2010/main" val="1228743602"/>
+      </p:ext>
+    </p:extLst>
+  </p:cSld>
+  <p:clrMapOvr>
+    <a:masterClrMapping/>
+  </p:clrMapOvr>
+</p:sld>
+</file>
+
+<file path=ppt/slides/slide7.xml><?xml version="1.0" encoding="utf-8"?>
+<p:sld xmlns:a="http://schemas.openxmlformats.org/drawingml/2006/main" xmlns:r="http://schemas.openxmlformats.org/officeDocument/2006/relationships" xmlns:p="http://schemas.openxmlformats.org/presentationml/2006/main">
+  <p:cSld>
+    <p:spTree>
+      <p:nvGrpSpPr>
+        <p:cNvPr id="1" name=""/>
+        <p:cNvGrpSpPr/>
+        <p:nvPr/>
+      </p:nvGrpSpPr>
+      <p:grpSpPr>
+        <a:xfrm>
+          <a:off x="0" y="0"/>
+          <a:ext cx="0" cy="0"/>
+          <a:chOff x="0" y="0"/>
+          <a:chExt cx="0" cy="0"/>
+        </a:xfrm>
+      </p:grpSpPr>
+      <p:sp>
+        <p:nvSpPr>
           <p:cNvPr id="2" name="Title 1"/>
           <p:cNvSpPr>
             <a:spLocks noGrp="1"/>
@@ -4663,7 +4848,7 @@
             </a:pPr>
             <a:r>
               <a:rPr lang="en-US" sz="2000" dirty="0"/>
-              <a:t>Programming Together by Request</a:t>
+              <a:t>Programming Together by Request… FaceDrawLite?</a:t>
             </a:r>
           </a:p>
           <a:p>
@@ -4789,7 +4974,184 @@
 </p:sld>
 </file>
 
-<file path=ppt/slides/slide7.xml><?xml version="1.0" encoding="utf-8"?>
+<file path=ppt/slides/slide8.xml><?xml version="1.0" encoding="utf-8"?>
+<p:sld xmlns:a="http://schemas.openxmlformats.org/drawingml/2006/main" xmlns:r="http://schemas.openxmlformats.org/officeDocument/2006/relationships" xmlns:p="http://schemas.openxmlformats.org/presentationml/2006/main">
+  <p:cSld>
+    <p:spTree>
+      <p:nvGrpSpPr>
+        <p:cNvPr id="1" name=""/>
+        <p:cNvGrpSpPr/>
+        <p:nvPr/>
+      </p:nvGrpSpPr>
+      <p:grpSpPr>
+        <a:xfrm>
+          <a:off x="0" y="0"/>
+          <a:ext cx="0" cy="0"/>
+          <a:chOff x="0" y="0"/>
+          <a:chExt cx="0" cy="0"/>
+        </a:xfrm>
+      </p:grpSpPr>
+      <p:sp>
+        <p:nvSpPr>
+          <p:cNvPr id="2" name="Title 1"/>
+          <p:cNvSpPr>
+            <a:spLocks noGrp="1"/>
+          </p:cNvSpPr>
+          <p:nvPr>
+            <p:ph type="title"/>
+          </p:nvPr>
+        </p:nvSpPr>
+        <p:spPr/>
+        <p:txBody>
+          <a:bodyPr/>
+          <a:lstStyle/>
+          <a:p>
+            <a:r>
+              <a:rPr lang="en-US" dirty="0"/>
+              <a:t>Foreshadowing FaceDraw</a:t>
+            </a:r>
+          </a:p>
+        </p:txBody>
+      </p:sp>
+      <p:sp>
+        <p:nvSpPr>
+          <p:cNvPr id="3" name="Content Placeholder 2"/>
+          <p:cNvSpPr>
+            <a:spLocks noGrp="1"/>
+          </p:cNvSpPr>
+          <p:nvPr>
+            <p:ph idx="1"/>
+          </p:nvPr>
+        </p:nvSpPr>
+        <p:spPr>
+          <a:xfrm>
+            <a:off x="838201" y="1617785"/>
+            <a:ext cx="4993552" cy="4398417"/>
+          </a:xfrm>
+        </p:spPr>
+        <p:txBody>
+          <a:bodyPr>
+            <a:normAutofit/>
+          </a:bodyPr>
+          <a:lstStyle/>
+          <a:p>
+            <a:pPr marL="0" indent="0">
+              <a:buNone/>
+            </a:pPr>
+            <a:r>
+              <a:rPr lang="en-US" sz="2000" dirty="0"/>
+              <a:t>In the sprint 3 FaceDraw assignment, you will need to:</a:t>
+            </a:r>
+          </a:p>
+          <a:p>
+            <a:r>
+              <a:rPr lang="en-US" sz="2000" dirty="0"/>
+              <a:t>Create an graphical Java application</a:t>
+            </a:r>
+          </a:p>
+          <a:p>
+            <a:r>
+              <a:rPr lang="en-US" sz="2000" dirty="0"/>
+              <a:t>Draw 3 to 10 random faces on a window</a:t>
+            </a:r>
+          </a:p>
+          <a:p>
+            <a:r>
+              <a:rPr lang="en-US" sz="2000" dirty="0"/>
+              <a:t>Make each face a random width and height</a:t>
+            </a:r>
+          </a:p>
+          <a:p>
+            <a:r>
+              <a:rPr lang="en-US" sz="2000" dirty="0"/>
+              <a:t>Give each face a random emotion</a:t>
+            </a:r>
+          </a:p>
+          <a:p>
+            <a:r>
+              <a:rPr lang="en-US" sz="2000" dirty="0"/>
+              <a:t>Make it all visually appealing</a:t>
+            </a:r>
+          </a:p>
+          <a:p>
+            <a:r>
+              <a:rPr lang="en-US" sz="2000" dirty="0"/>
+              <a:t>And more</a:t>
+            </a:r>
+          </a:p>
+          <a:p>
+            <a:pPr marL="0" indent="0">
+              <a:buNone/>
+            </a:pPr>
+            <a:endParaRPr lang="en-US" sz="2000" dirty="0"/>
+          </a:p>
+          <a:p>
+            <a:pPr marL="0" indent="0">
+              <a:buNone/>
+            </a:pPr>
+            <a:r>
+              <a:rPr lang="en-US" sz="2000" dirty="0"/>
+              <a:t>It will be challenging!</a:t>
+            </a:r>
+          </a:p>
+          <a:p>
+            <a:pPr marL="0" indent="0">
+              <a:buNone/>
+            </a:pPr>
+            <a:endParaRPr lang="en-US" sz="2000" dirty="0"/>
+          </a:p>
+        </p:txBody>
+      </p:sp>
+      <p:pic>
+        <p:nvPicPr>
+          <p:cNvPr id="7" name="Picture 6">
+            <a:extLst>
+              <a:ext uri="{FF2B5EF4-FFF2-40B4-BE49-F238E27FC236}">
+                <a16:creationId xmlns:a16="http://schemas.microsoft.com/office/drawing/2014/main" id="{6DB09D74-3489-4AC9-9903-3B4998415E5B}"/>
+              </a:ext>
+            </a:extLst>
+          </p:cNvPr>
+          <p:cNvPicPr>
+            <a:picLocks noChangeAspect="1"/>
+          </p:cNvPicPr>
+          <p:nvPr/>
+        </p:nvPicPr>
+        <p:blipFill>
+          <a:blip r:embed="rId3">
+            <a:extLst>
+              <a:ext uri="{28A0092B-C50C-407E-A947-70E740481C1C}">
+                <a14:useLocalDpi xmlns:a14="http://schemas.microsoft.com/office/drawing/2010/main" val="0"/>
+              </a:ext>
+            </a:extLst>
+          </a:blip>
+          <a:stretch>
+            <a:fillRect/>
+          </a:stretch>
+        </p:blipFill>
+        <p:spPr>
+          <a:xfrm>
+            <a:off x="6556047" y="1617785"/>
+            <a:ext cx="4335193" cy="4712445"/>
+          </a:xfrm>
+          <a:prstGeom prst="rect">
+            <a:avLst/>
+          </a:prstGeom>
+        </p:spPr>
+      </p:pic>
+    </p:spTree>
+    <p:extLst>
+      <p:ext uri="{BB962C8B-B14F-4D97-AF65-F5344CB8AC3E}">
+        <p14:creationId xmlns:p14="http://schemas.microsoft.com/office/powerpoint/2010/main" val="285594438"/>
+      </p:ext>
+    </p:extLst>
+  </p:cSld>
+  <p:clrMapOvr>
+    <a:masterClrMapping/>
+  </p:clrMapOvr>
+</p:sld>
+</file>
+
+<file path=ppt/slides/slide9.xml><?xml version="1.0" encoding="utf-8"?>
 <p:sld xmlns:a="http://schemas.openxmlformats.org/drawingml/2006/main" xmlns:r="http://schemas.openxmlformats.org/officeDocument/2006/relationships" xmlns:p="http://schemas.openxmlformats.org/presentationml/2006/main">
   <p:cSld>
     <p:bg>
